--- a/Ingresos.pptx
+++ b/Ingresos.pptx
@@ -8066,97 +8066,86 @@
       </p:grpSpPr>
       <p:sp>
         <p:nvSpPr>
-          <p:cNvPr id="94" name="Shape 94"/>
-          <p:cNvSpPr txBox="1">
+          <p:cNvPr id="3" name="Título 2">
+            <a:extLst>
+              <a:ext uri="{FF2B5EF4-FFF2-40B4-BE49-F238E27FC236}">
+                <a16:creationId xmlns:a16="http://schemas.microsoft.com/office/drawing/2014/main" id="{75FAE021-1231-ADA9-3847-5A915D8BFC6E}"/>
+              </a:ext>
+            </a:extLst>
+          </p:cNvPr>
+          <p:cNvSpPr>
             <a:spLocks noGrp="1"/>
           </p:cNvSpPr>
           <p:nvPr>
             <p:ph type="title"/>
           </p:nvPr>
         </p:nvSpPr>
-        <p:spPr>
-          <a:xfrm>
-            <a:off x="772475" y="648025"/>
-            <a:ext cx="7470600" cy="781200"/>
-          </a:xfrm>
-          <a:prstGeom prst="rect">
-            <a:avLst/>
-          </a:prstGeom>
-        </p:spPr>
+        <p:spPr/>
         <p:txBody>
-          <a:bodyPr lIns="91425" tIns="91425" rIns="91425" bIns="91425" anchor="t" anchorCtr="0">
-            <a:noAutofit/>
-          </a:bodyPr>
+          <a:bodyPr/>
           <a:lstStyle/>
           <a:p>
-            <a:pPr lvl="0">
-              <a:spcBef>
-                <a:spcPts val="0"/>
-              </a:spcBef>
-              <a:buClr>
-                <a:schemeClr val="dk1"/>
-              </a:buClr>
-              <a:buSzPct val="57894"/>
-              <a:buFont typeface="Arial"/>
-              <a:buNone/>
-            </a:pPr>
-            <a:r>
-              <a:rPr lang="ca" dirty="0"/>
-              <a:t>Código:</a:t>
-            </a:r>
-            <a:endParaRPr lang="ca" dirty="0">
-              <a:highlight>
-                <a:srgbClr val="FFFFFF"/>
-              </a:highlight>
-            </a:endParaRPr>
-          </a:p>
-          <a:p>
-            <a:pPr lvl="0">
-              <a:spcBef>
-                <a:spcPts val="0"/>
-              </a:spcBef>
-              <a:buNone/>
-            </a:pPr>
-            <a:endParaRPr dirty="0"/>
+            <a:r>
+              <a:rPr lang="es-ES" b="0" i="0" dirty="0">
+                <a:effectLst/>
+                <a:latin typeface="Arial" panose="020B0604020202020204" pitchFamily="34" charset="0"/>
+              </a:rPr>
+              <a:t>Análisis de los datos.</a:t>
+            </a:r>
+            <a:br>
+              <a:rPr lang="es-ES" dirty="0"/>
+            </a:br>
+            <a:r>
+              <a:rPr lang="es-ES" b="0" i="0" dirty="0">
+                <a:effectLst/>
+                <a:latin typeface="Arial" panose="020B0604020202020204" pitchFamily="34" charset="0"/>
+              </a:rPr>
+              <a:t>4.1. Aplica un modelo supervisado y uno no supervisado a los datos y</a:t>
+            </a:r>
+            <a:br>
+              <a:rPr lang="es-ES" dirty="0"/>
+            </a:br>
+            <a:r>
+              <a:rPr lang="es-ES" b="0" i="0" dirty="0">
+                <a:effectLst/>
+                <a:latin typeface="Arial" panose="020B0604020202020204" pitchFamily="34" charset="0"/>
+              </a:rPr>
+              <a:t>comenta los resultados obtenidos.</a:t>
+            </a:r>
+            <a:br>
+              <a:rPr lang="es-ES" dirty="0"/>
+            </a:br>
+            <a:r>
+              <a:rPr lang="es-ES" b="0" i="0" dirty="0">
+                <a:effectLst/>
+                <a:latin typeface="Arial" panose="020B0604020202020204" pitchFamily="34" charset="0"/>
+              </a:rPr>
+              <a:t>4.2. Aplica una prueba por contraste de hipótesis. Ten en cuenta que</a:t>
+            </a:r>
+            <a:br>
+              <a:rPr lang="es-ES" dirty="0"/>
+            </a:br>
+            <a:r>
+              <a:rPr lang="es-ES" b="0" i="0" dirty="0">
+                <a:effectLst/>
+                <a:latin typeface="Arial" panose="020B0604020202020204" pitchFamily="34" charset="0"/>
+              </a:rPr>
+              <a:t>algunas de estas pruebas requieren verificar previamente la normalidad</a:t>
+            </a:r>
+            <a:br>
+              <a:rPr lang="es-ES" dirty="0"/>
+            </a:br>
+            <a:r>
+              <a:rPr lang="es-ES" b="0" i="0" dirty="0">
+                <a:effectLst/>
+                <a:latin typeface="Arial" panose="020B0604020202020204" pitchFamily="34" charset="0"/>
+              </a:rPr>
+              <a:t>y homocedasticidad de los datos</a:t>
+            </a:r>
+            <a:endParaRPr lang="es-ES" dirty="0"/>
           </a:p>
         </p:txBody>
       </p:sp>
-      <p:pic>
-        <p:nvPicPr>
-          <p:cNvPr id="8" name="Imagen 7">
-            <a:extLst>
-              <a:ext uri="{FF2B5EF4-FFF2-40B4-BE49-F238E27FC236}">
-                <a16:creationId xmlns:a16="http://schemas.microsoft.com/office/drawing/2014/main" id="{2991EA66-46B7-32A6-4D2C-82BA0A3E92A5}"/>
-              </a:ext>
-            </a:extLst>
-          </p:cNvPr>
-          <p:cNvPicPr>
-            <a:picLocks noChangeAspect="1"/>
-          </p:cNvPicPr>
-          <p:nvPr/>
-        </p:nvPicPr>
-        <p:blipFill>
-          <a:blip r:embed="rId3">
-            <a:extLst>
-              <a:ext uri="{28A0092B-C50C-407E-A947-70E740481C1C}">
-                <a14:useLocalDpi xmlns:a14="http://schemas.microsoft.com/office/drawing/2010/main" val="0"/>
-              </a:ext>
-            </a:extLst>
-          </a:blip>
-          <a:stretch>
-            <a:fillRect/>
-          </a:stretch>
-        </p:blipFill>
-        <p:spPr>
-          <a:xfrm>
-            <a:off x="2297033" y="724344"/>
-            <a:ext cx="4549934" cy="4010284"/>
-          </a:xfrm>
-          <a:prstGeom prst="rect">
-            <a:avLst/>
-          </a:prstGeom>
-        </p:spPr>
-      </p:pic>
     </p:spTree>
   </p:cSld>
   <p:clrMapOvr>

--- a/Ingresos.pptx
+++ b/Ingresos.pptx
@@ -5,7 +5,7 @@
     <p:sldMasterId id="2147483653" r:id="rId1"/>
   </p:sldMasterIdLst>
   <p:notesMasterIdLst>
-    <p:notesMasterId r:id="rId11"/>
+    <p:notesMasterId r:id="rId12"/>
   </p:notesMasterIdLst>
   <p:sldIdLst>
     <p:sldId id="257" r:id="rId2"/>
@@ -14,9 +14,10 @@
     <p:sldId id="271" r:id="rId5"/>
     <p:sldId id="272" r:id="rId6"/>
     <p:sldId id="262" r:id="rId7"/>
-    <p:sldId id="270" r:id="rId8"/>
-    <p:sldId id="263" r:id="rId9"/>
-    <p:sldId id="268" r:id="rId10"/>
+    <p:sldId id="273" r:id="rId8"/>
+    <p:sldId id="274" r:id="rId9"/>
+    <p:sldId id="263" r:id="rId10"/>
+    <p:sldId id="268" r:id="rId11"/>
   </p:sldIdLst>
   <p:sldSz cx="9144000" cy="5143500" type="screen16x9"/>
   <p:notesSz cx="6858000" cy="9144000"/>
@@ -598,6 +599,112 @@
 </p:notes>
 </file>
 
+<file path=ppt/notesSlides/notesSlide10.xml><?xml version="1.0" encoding="utf-8"?>
+<p:notes xmlns:a="http://schemas.openxmlformats.org/drawingml/2006/main" xmlns:r="http://schemas.openxmlformats.org/officeDocument/2006/relationships" xmlns:p="http://schemas.openxmlformats.org/presentationml/2006/main" showMasterSp="0" showMasterPhAnim="0">
+  <p:cSld>
+    <p:spTree>
+      <p:nvGrpSpPr>
+        <p:cNvPr id="1" name="Shape 129"/>
+        <p:cNvGrpSpPr/>
+        <p:nvPr/>
+      </p:nvGrpSpPr>
+      <p:grpSpPr>
+        <a:xfrm>
+          <a:off x="0" y="0"/>
+          <a:ext cx="0" cy="0"/>
+          <a:chOff x="0" y="0"/>
+          <a:chExt cx="0" cy="0"/>
+        </a:xfrm>
+      </p:grpSpPr>
+      <p:sp>
+        <p:nvSpPr>
+          <p:cNvPr id="130" name="Shape 130"/>
+          <p:cNvSpPr>
+            <a:spLocks noGrp="1" noRot="1" noChangeAspect="1"/>
+          </p:cNvSpPr>
+          <p:nvPr>
+            <p:ph type="sldImg" idx="2"/>
+          </p:nvPr>
+        </p:nvSpPr>
+        <p:spPr>
+          <a:xfrm>
+            <a:off x="381000" y="685800"/>
+            <a:ext cx="6096000" cy="3429000"/>
+          </a:xfrm>
+          <a:custGeom>
+            <a:avLst/>
+            <a:gdLst/>
+            <a:ahLst/>
+            <a:cxnLst/>
+            <a:rect l="0" t="0" r="0" b="0"/>
+            <a:pathLst>
+              <a:path w="120000" h="120000" extrusionOk="0">
+                <a:moveTo>
+                  <a:pt x="0" y="0"/>
+                </a:moveTo>
+                <a:lnTo>
+                  <a:pt x="120000" y="0"/>
+                </a:lnTo>
+                <a:lnTo>
+                  <a:pt x="120000" y="120000"/>
+                </a:lnTo>
+                <a:lnTo>
+                  <a:pt x="0" y="120000"/>
+                </a:lnTo>
+                <a:close/>
+              </a:path>
+            </a:pathLst>
+          </a:custGeom>
+        </p:spPr>
+      </p:sp>
+      <p:sp>
+        <p:nvSpPr>
+          <p:cNvPr id="131" name="Shape 131"/>
+          <p:cNvSpPr txBox="1">
+            <a:spLocks noGrp="1"/>
+          </p:cNvSpPr>
+          <p:nvPr>
+            <p:ph type="body" idx="1"/>
+          </p:nvPr>
+        </p:nvSpPr>
+        <p:spPr>
+          <a:xfrm>
+            <a:off x="685800" y="4343400"/>
+            <a:ext cx="5486400" cy="4114800"/>
+          </a:xfrm>
+          <a:prstGeom prst="rect">
+            <a:avLst/>
+          </a:prstGeom>
+        </p:spPr>
+        <p:txBody>
+          <a:bodyPr lIns="91425" tIns="91425" rIns="91425" bIns="91425" anchor="t" anchorCtr="0">
+            <a:noAutofit/>
+          </a:bodyPr>
+          <a:lstStyle/>
+          <a:p>
+            <a:pPr lvl="0">
+              <a:spcBef>
+                <a:spcPts val="0"/>
+              </a:spcBef>
+              <a:buNone/>
+            </a:pPr>
+            <a:endParaRPr/>
+          </a:p>
+        </p:txBody>
+      </p:sp>
+    </p:spTree>
+    <p:extLst>
+      <p:ext uri="{BB962C8B-B14F-4D97-AF65-F5344CB8AC3E}">
+        <p14:creationId xmlns:p14="http://schemas.microsoft.com/office/powerpoint/2010/main" val="371299891"/>
+      </p:ext>
+    </p:extLst>
+  </p:cSld>
+  <p:clrMapOvr>
+    <a:masterClrMapping/>
+  </p:clrMapOvr>
+</p:notes>
+</file>
+
 <file path=ppt/notesSlides/notesSlide2.xml><?xml version="1.0" encoding="utf-8"?>
 <p:notes xmlns:a="http://schemas.openxmlformats.org/drawingml/2006/main" xmlns:r="http://schemas.openxmlformats.org/officeDocument/2006/relationships" xmlns:p="http://schemas.openxmlformats.org/presentationml/2006/main" showMasterSp="0" showMasterPhAnim="0">
   <p:cSld>
@@ -1172,7 +1279,7 @@
         <p:cNvPr id="1" name="Shape 90">
           <a:extLst>
             <a:ext uri="{FF2B5EF4-FFF2-40B4-BE49-F238E27FC236}">
-              <a16:creationId xmlns:a16="http://schemas.microsoft.com/office/drawing/2014/main" id="{6E6FCB00-5F29-94FD-46D4-82DDA13D1F27}"/>
+              <a16:creationId xmlns:a16="http://schemas.microsoft.com/office/drawing/2014/main" id="{A012A0F2-9F4D-BCD0-558D-4EA395B47193}"/>
             </a:ext>
           </a:extLst>
         </p:cNvPr>
@@ -1192,7 +1299,7 @@
           <p:cNvPr id="91" name="Shape 91">
             <a:extLst>
               <a:ext uri="{FF2B5EF4-FFF2-40B4-BE49-F238E27FC236}">
-                <a16:creationId xmlns:a16="http://schemas.microsoft.com/office/drawing/2014/main" id="{C509B7DB-E765-0581-EF44-2220857E0AF5}"/>
+                <a16:creationId xmlns:a16="http://schemas.microsoft.com/office/drawing/2014/main" id="{382E89AE-A2C7-DC1C-0804-9ECBBAD97F4B}"/>
               </a:ext>
             </a:extLst>
           </p:cNvPr>
@@ -1239,7 +1346,7 @@
           <p:cNvPr id="92" name="Shape 92">
             <a:extLst>
               <a:ext uri="{FF2B5EF4-FFF2-40B4-BE49-F238E27FC236}">
-                <a16:creationId xmlns:a16="http://schemas.microsoft.com/office/drawing/2014/main" id="{04E85719-E224-932B-88FD-6938FB93B9B8}"/>
+                <a16:creationId xmlns:a16="http://schemas.microsoft.com/office/drawing/2014/main" id="{129E3FDB-EEE3-EE8D-FC1E-CAEA1A64B15E}"/>
               </a:ext>
             </a:extLst>
           </p:cNvPr>
@@ -1278,7 +1385,7 @@
     </p:spTree>
     <p:extLst>
       <p:ext uri="{BB962C8B-B14F-4D97-AF65-F5344CB8AC3E}">
-        <p14:creationId xmlns:p14="http://schemas.microsoft.com/office/powerpoint/2010/main" val="3311991944"/>
+        <p14:creationId xmlns:p14="http://schemas.microsoft.com/office/powerpoint/2010/main" val="3552809210"/>
       </p:ext>
     </p:extLst>
   </p:cSld>
@@ -1289,6 +1396,130 @@
 </file>
 
 <file path=ppt/notesSlides/notesSlide8.xml><?xml version="1.0" encoding="utf-8"?>
+<p:notes xmlns:a="http://schemas.openxmlformats.org/drawingml/2006/main" xmlns:r="http://schemas.openxmlformats.org/officeDocument/2006/relationships" xmlns:p="http://schemas.openxmlformats.org/presentationml/2006/main" showMasterSp="0" showMasterPhAnim="0">
+  <p:cSld>
+    <p:spTree>
+      <p:nvGrpSpPr>
+        <p:cNvPr id="1" name="Shape 90">
+          <a:extLst>
+            <a:ext uri="{FF2B5EF4-FFF2-40B4-BE49-F238E27FC236}">
+              <a16:creationId xmlns:a16="http://schemas.microsoft.com/office/drawing/2014/main" id="{B1EEC1D6-0425-DAA1-1144-5210D1C62676}"/>
+            </a:ext>
+          </a:extLst>
+        </p:cNvPr>
+        <p:cNvGrpSpPr/>
+        <p:nvPr/>
+      </p:nvGrpSpPr>
+      <p:grpSpPr>
+        <a:xfrm>
+          <a:off x="0" y="0"/>
+          <a:ext cx="0" cy="0"/>
+          <a:chOff x="0" y="0"/>
+          <a:chExt cx="0" cy="0"/>
+        </a:xfrm>
+      </p:grpSpPr>
+      <p:sp>
+        <p:nvSpPr>
+          <p:cNvPr id="91" name="Shape 91">
+            <a:extLst>
+              <a:ext uri="{FF2B5EF4-FFF2-40B4-BE49-F238E27FC236}">
+                <a16:creationId xmlns:a16="http://schemas.microsoft.com/office/drawing/2014/main" id="{5AD0AAC1-1EB1-16F1-9754-6B22B01ACF4E}"/>
+              </a:ext>
+            </a:extLst>
+          </p:cNvPr>
+          <p:cNvSpPr>
+            <a:spLocks noGrp="1" noRot="1" noChangeAspect="1"/>
+          </p:cNvSpPr>
+          <p:nvPr>
+            <p:ph type="sldImg" idx="2"/>
+          </p:nvPr>
+        </p:nvSpPr>
+        <p:spPr>
+          <a:xfrm>
+            <a:off x="381000" y="685800"/>
+            <a:ext cx="6096000" cy="3429000"/>
+          </a:xfrm>
+          <a:custGeom>
+            <a:avLst/>
+            <a:gdLst/>
+            <a:ahLst/>
+            <a:cxnLst/>
+            <a:rect l="0" t="0" r="0" b="0"/>
+            <a:pathLst>
+              <a:path w="120000" h="120000" extrusionOk="0">
+                <a:moveTo>
+                  <a:pt x="0" y="0"/>
+                </a:moveTo>
+                <a:lnTo>
+                  <a:pt x="120000" y="0"/>
+                </a:lnTo>
+                <a:lnTo>
+                  <a:pt x="120000" y="120000"/>
+                </a:lnTo>
+                <a:lnTo>
+                  <a:pt x="0" y="120000"/>
+                </a:lnTo>
+                <a:close/>
+              </a:path>
+            </a:pathLst>
+          </a:custGeom>
+        </p:spPr>
+      </p:sp>
+      <p:sp>
+        <p:nvSpPr>
+          <p:cNvPr id="92" name="Shape 92">
+            <a:extLst>
+              <a:ext uri="{FF2B5EF4-FFF2-40B4-BE49-F238E27FC236}">
+                <a16:creationId xmlns:a16="http://schemas.microsoft.com/office/drawing/2014/main" id="{A0482300-E307-3B02-7783-2DBB53A3313C}"/>
+              </a:ext>
+            </a:extLst>
+          </p:cNvPr>
+          <p:cNvSpPr txBox="1">
+            <a:spLocks noGrp="1"/>
+          </p:cNvSpPr>
+          <p:nvPr>
+            <p:ph type="body" idx="1"/>
+          </p:nvPr>
+        </p:nvSpPr>
+        <p:spPr>
+          <a:xfrm>
+            <a:off x="685800" y="4343400"/>
+            <a:ext cx="5486400" cy="4114800"/>
+          </a:xfrm>
+          <a:prstGeom prst="rect">
+            <a:avLst/>
+          </a:prstGeom>
+        </p:spPr>
+        <p:txBody>
+          <a:bodyPr lIns="91425" tIns="91425" rIns="91425" bIns="91425" anchor="t" anchorCtr="0">
+            <a:noAutofit/>
+          </a:bodyPr>
+          <a:lstStyle/>
+          <a:p>
+            <a:pPr lvl="0">
+              <a:spcBef>
+                <a:spcPts val="0"/>
+              </a:spcBef>
+              <a:buNone/>
+            </a:pPr>
+            <a:endParaRPr/>
+          </a:p>
+        </p:txBody>
+      </p:sp>
+    </p:spTree>
+    <p:extLst>
+      <p:ext uri="{BB962C8B-B14F-4D97-AF65-F5344CB8AC3E}">
+        <p14:creationId xmlns:p14="http://schemas.microsoft.com/office/powerpoint/2010/main" val="3252327526"/>
+      </p:ext>
+    </p:extLst>
+  </p:cSld>
+  <p:clrMapOvr>
+    <a:masterClrMapping/>
+  </p:clrMapOvr>
+</p:notes>
+</file>
+
+<file path=ppt/notesSlides/notesSlide9.xml><?xml version="1.0" encoding="utf-8"?>
 <p:notes xmlns:a="http://schemas.openxmlformats.org/drawingml/2006/main" xmlns:r="http://schemas.openxmlformats.org/officeDocument/2006/relationships" xmlns:p="http://schemas.openxmlformats.org/presentationml/2006/main" showMasterSp="0" showMasterPhAnim="0">
   <p:cSld>
     <p:spTree>
@@ -1385,112 +1616,6 @@
     <p:extLst>
       <p:ext uri="{BB962C8B-B14F-4D97-AF65-F5344CB8AC3E}">
         <p14:creationId xmlns:p14="http://schemas.microsoft.com/office/powerpoint/2010/main" val="1507764312"/>
-      </p:ext>
-    </p:extLst>
-  </p:cSld>
-  <p:clrMapOvr>
-    <a:masterClrMapping/>
-  </p:clrMapOvr>
-</p:notes>
-</file>
-
-<file path=ppt/notesSlides/notesSlide9.xml><?xml version="1.0" encoding="utf-8"?>
-<p:notes xmlns:a="http://schemas.openxmlformats.org/drawingml/2006/main" xmlns:r="http://schemas.openxmlformats.org/officeDocument/2006/relationships" xmlns:p="http://schemas.openxmlformats.org/presentationml/2006/main" showMasterSp="0" showMasterPhAnim="0">
-  <p:cSld>
-    <p:spTree>
-      <p:nvGrpSpPr>
-        <p:cNvPr id="1" name="Shape 129"/>
-        <p:cNvGrpSpPr/>
-        <p:nvPr/>
-      </p:nvGrpSpPr>
-      <p:grpSpPr>
-        <a:xfrm>
-          <a:off x="0" y="0"/>
-          <a:ext cx="0" cy="0"/>
-          <a:chOff x="0" y="0"/>
-          <a:chExt cx="0" cy="0"/>
-        </a:xfrm>
-      </p:grpSpPr>
-      <p:sp>
-        <p:nvSpPr>
-          <p:cNvPr id="130" name="Shape 130"/>
-          <p:cNvSpPr>
-            <a:spLocks noGrp="1" noRot="1" noChangeAspect="1"/>
-          </p:cNvSpPr>
-          <p:nvPr>
-            <p:ph type="sldImg" idx="2"/>
-          </p:nvPr>
-        </p:nvSpPr>
-        <p:spPr>
-          <a:xfrm>
-            <a:off x="381000" y="685800"/>
-            <a:ext cx="6096000" cy="3429000"/>
-          </a:xfrm>
-          <a:custGeom>
-            <a:avLst/>
-            <a:gdLst/>
-            <a:ahLst/>
-            <a:cxnLst/>
-            <a:rect l="0" t="0" r="0" b="0"/>
-            <a:pathLst>
-              <a:path w="120000" h="120000" extrusionOk="0">
-                <a:moveTo>
-                  <a:pt x="0" y="0"/>
-                </a:moveTo>
-                <a:lnTo>
-                  <a:pt x="120000" y="0"/>
-                </a:lnTo>
-                <a:lnTo>
-                  <a:pt x="120000" y="120000"/>
-                </a:lnTo>
-                <a:lnTo>
-                  <a:pt x="0" y="120000"/>
-                </a:lnTo>
-                <a:close/>
-              </a:path>
-            </a:pathLst>
-          </a:custGeom>
-        </p:spPr>
-      </p:sp>
-      <p:sp>
-        <p:nvSpPr>
-          <p:cNvPr id="131" name="Shape 131"/>
-          <p:cNvSpPr txBox="1">
-            <a:spLocks noGrp="1"/>
-          </p:cNvSpPr>
-          <p:nvPr>
-            <p:ph type="body" idx="1"/>
-          </p:nvPr>
-        </p:nvSpPr>
-        <p:spPr>
-          <a:xfrm>
-            <a:off x="685800" y="4343400"/>
-            <a:ext cx="5486400" cy="4114800"/>
-          </a:xfrm>
-          <a:prstGeom prst="rect">
-            <a:avLst/>
-          </a:prstGeom>
-        </p:spPr>
-        <p:txBody>
-          <a:bodyPr lIns="91425" tIns="91425" rIns="91425" bIns="91425" anchor="t" anchorCtr="0">
-            <a:noAutofit/>
-          </a:bodyPr>
-          <a:lstStyle/>
-          <a:p>
-            <a:pPr lvl="0">
-              <a:spcBef>
-                <a:spcPts val="0"/>
-              </a:spcBef>
-              <a:buNone/>
-            </a:pPr>
-            <a:endParaRPr/>
-          </a:p>
-        </p:txBody>
-      </p:sp>
-    </p:spTree>
-    <p:extLst>
-      <p:ext uri="{BB962C8B-B14F-4D97-AF65-F5344CB8AC3E}">
-        <p14:creationId xmlns:p14="http://schemas.microsoft.com/office/powerpoint/2010/main" val="371299891"/>
       </p:ext>
     </p:extLst>
   </p:cSld>
@@ -4247,6 +4372,31 @@
 </p:sld>
 </file>
 
+<file path=ppt/slides/slide10.xml><?xml version="1.0" encoding="utf-8"?>
+<p:sld xmlns:a="http://schemas.openxmlformats.org/drawingml/2006/main" xmlns:r="http://schemas.openxmlformats.org/officeDocument/2006/relationships" xmlns:p="http://schemas.openxmlformats.org/presentationml/2006/main">
+  <p:cSld>
+    <p:spTree>
+      <p:nvGrpSpPr>
+        <p:cNvPr id="1" name="Shape 132"/>
+        <p:cNvGrpSpPr/>
+        <p:nvPr/>
+      </p:nvGrpSpPr>
+      <p:grpSpPr>
+        <a:xfrm>
+          <a:off x="0" y="0"/>
+          <a:ext cx="0" cy="0"/>
+          <a:chOff x="0" y="0"/>
+          <a:chExt cx="0" cy="0"/>
+        </a:xfrm>
+      </p:grpSpPr>
+    </p:spTree>
+  </p:cSld>
+  <p:clrMapOvr>
+    <a:masterClrMapping/>
+  </p:clrMapOvr>
+</p:sld>
+</file>
+
 <file path=ppt/slides/slide2.xml><?xml version="1.0" encoding="utf-8"?>
 <p:sld xmlns:a="http://schemas.openxmlformats.org/drawingml/2006/main" xmlns:r="http://schemas.openxmlformats.org/officeDocument/2006/relationships" xmlns:p="http://schemas.openxmlformats.org/presentationml/2006/main">
   <p:cSld>
@@ -7675,6 +7825,36 @@
           </a:p>
         </p:txBody>
       </p:sp>
+      <p:pic>
+        <p:nvPicPr>
+          <p:cNvPr id="3" name="Imagen 2">
+            <a:extLst>
+              <a:ext uri="{FF2B5EF4-FFF2-40B4-BE49-F238E27FC236}">
+                <a16:creationId xmlns:a16="http://schemas.microsoft.com/office/drawing/2014/main" id="{DBEDE54F-88D5-BF78-98BD-40899E57A489}"/>
+              </a:ext>
+            </a:extLst>
+          </p:cNvPr>
+          <p:cNvPicPr>
+            <a:picLocks noChangeAspect="1"/>
+          </p:cNvPicPr>
+          <p:nvPr/>
+        </p:nvPicPr>
+        <p:blipFill>
+          <a:blip r:embed="rId3"/>
+          <a:stretch>
+            <a:fillRect/>
+          </a:stretch>
+        </p:blipFill>
+        <p:spPr>
+          <a:xfrm>
+            <a:off x="3980193" y="1854059"/>
+            <a:ext cx="5111925" cy="1876530"/>
+          </a:xfrm>
+          <a:prstGeom prst="rect">
+            <a:avLst/>
+          </a:prstGeom>
+        </p:spPr>
+      </p:pic>
     </p:spTree>
     <p:extLst>
       <p:ext uri="{BB962C8B-B14F-4D97-AF65-F5344CB8AC3E}">
@@ -8034,6 +8214,66 @@
           </a:p>
         </p:txBody>
       </p:sp>
+      <p:pic>
+        <p:nvPicPr>
+          <p:cNvPr id="3" name="Imagen 2">
+            <a:extLst>
+              <a:ext uri="{FF2B5EF4-FFF2-40B4-BE49-F238E27FC236}">
+                <a16:creationId xmlns:a16="http://schemas.microsoft.com/office/drawing/2014/main" id="{FA274FA8-E46A-75FB-C357-5D173F37B937}"/>
+              </a:ext>
+            </a:extLst>
+          </p:cNvPr>
+          <p:cNvPicPr>
+            <a:picLocks noChangeAspect="1"/>
+          </p:cNvPicPr>
+          <p:nvPr/>
+        </p:nvPicPr>
+        <p:blipFill>
+          <a:blip r:embed="rId3"/>
+          <a:stretch>
+            <a:fillRect/>
+          </a:stretch>
+        </p:blipFill>
+        <p:spPr>
+          <a:xfrm>
+            <a:off x="91192" y="1880680"/>
+            <a:ext cx="4165012" cy="1953671"/>
+          </a:xfrm>
+          <a:prstGeom prst="rect">
+            <a:avLst/>
+          </a:prstGeom>
+        </p:spPr>
+      </p:pic>
+      <p:pic>
+        <p:nvPicPr>
+          <p:cNvPr id="5" name="Imagen 4">
+            <a:extLst>
+              <a:ext uri="{FF2B5EF4-FFF2-40B4-BE49-F238E27FC236}">
+                <a16:creationId xmlns:a16="http://schemas.microsoft.com/office/drawing/2014/main" id="{FC61B794-0A95-2981-5807-D9D1E0A09AA7}"/>
+              </a:ext>
+            </a:extLst>
+          </p:cNvPr>
+          <p:cNvPicPr>
+            <a:picLocks noChangeAspect="1"/>
+          </p:cNvPicPr>
+          <p:nvPr/>
+        </p:nvPicPr>
+        <p:blipFill>
+          <a:blip r:embed="rId4"/>
+          <a:stretch>
+            <a:fillRect/>
+          </a:stretch>
+        </p:blipFill>
+        <p:spPr>
+          <a:xfrm>
+            <a:off x="4507775" y="1880680"/>
+            <a:ext cx="4484442" cy="1290244"/>
+          </a:xfrm>
+          <a:prstGeom prst="rect">
+            <a:avLst/>
+          </a:prstGeom>
+        </p:spPr>
+      </p:pic>
     </p:spTree>
     <p:extLst>
       <p:ext uri="{BB962C8B-B14F-4D97-AF65-F5344CB8AC3E}">
@@ -8080,7 +8320,12 @@
             <p:ph type="title"/>
           </p:nvPr>
         </p:nvSpPr>
-        <p:spPr/>
+        <p:spPr>
+          <a:xfrm>
+            <a:off x="772475" y="583175"/>
+            <a:ext cx="7470600" cy="781200"/>
+          </a:xfrm>
+        </p:spPr>
         <p:txBody>
           <a:bodyPr/>
           <a:lstStyle/>
@@ -8095,57 +8340,240 @@
             <a:br>
               <a:rPr lang="es-ES" dirty="0"/>
             </a:br>
+            <a:endParaRPr lang="es-ES" dirty="0"/>
+          </a:p>
+        </p:txBody>
+      </p:sp>
+      <p:sp>
+        <p:nvSpPr>
+          <p:cNvPr id="2" name="Título 2">
+            <a:extLst>
+              <a:ext uri="{FF2B5EF4-FFF2-40B4-BE49-F238E27FC236}">
+                <a16:creationId xmlns:a16="http://schemas.microsoft.com/office/drawing/2014/main" id="{D89B5F6A-18FA-2CFA-BE23-3A9E05F0DFC0}"/>
+              </a:ext>
+            </a:extLst>
+          </p:cNvPr>
+          <p:cNvSpPr txBox="1">
+            <a:spLocks/>
+          </p:cNvSpPr>
+          <p:nvPr/>
+        </p:nvSpPr>
+        <p:spPr>
+          <a:xfrm>
+            <a:off x="2984278" y="839336"/>
+            <a:ext cx="2293693" cy="781200"/>
+          </a:xfrm>
+          <a:prstGeom prst="rect">
+            <a:avLst/>
+          </a:prstGeom>
+          <a:noFill/>
+          <a:ln>
+            <a:noFill/>
+          </a:ln>
+        </p:spPr>
+        <p:txBody>
+          <a:bodyPr lIns="91425" tIns="91425" rIns="91425" bIns="91425" anchor="t" anchorCtr="0"/>
+          <a:lstStyle>
+            <a:defPPr marR="0" lvl="0" algn="l" rtl="0">
+              <a:lnSpc>
+                <a:spcPct val="100000"/>
+              </a:lnSpc>
+              <a:spcBef>
+                <a:spcPts val="0"/>
+              </a:spcBef>
+              <a:spcAft>
+                <a:spcPts val="0"/>
+              </a:spcAft>
+            </a:defPPr>
+            <a:lvl1pPr marR="0" lvl="0" algn="l" rtl="0" eaLnBrk="1" hangingPunct="1">
+              <a:lnSpc>
+                <a:spcPct val="100000"/>
+              </a:lnSpc>
+              <a:spcBef>
+                <a:spcPts val="0"/>
+              </a:spcBef>
+              <a:spcAft>
+                <a:spcPts val="0"/>
+              </a:spcAft>
+              <a:buNone/>
+              <a:defRPr sz="1900" b="1" i="0" u="none" strike="noStrike" cap="none">
+                <a:solidFill>
+                  <a:srgbClr val="000078"/>
+                </a:solidFill>
+                <a:latin typeface="Arial"/>
+                <a:ea typeface="Arial"/>
+                <a:cs typeface="Arial"/>
+                <a:sym typeface="Arial"/>
+              </a:defRPr>
+            </a:lvl1pPr>
+            <a:lvl2pPr lvl="1" rtl="0">
+              <a:spcBef>
+                <a:spcPts val="0"/>
+              </a:spcBef>
+              <a:buNone/>
+              <a:defRPr sz="3000"/>
+            </a:lvl2pPr>
+            <a:lvl3pPr lvl="2" rtl="0">
+              <a:spcBef>
+                <a:spcPts val="0"/>
+              </a:spcBef>
+              <a:buNone/>
+              <a:defRPr sz="3000"/>
+            </a:lvl3pPr>
+            <a:lvl4pPr lvl="3" rtl="0">
+              <a:spcBef>
+                <a:spcPts val="0"/>
+              </a:spcBef>
+              <a:buNone/>
+              <a:defRPr sz="3000"/>
+            </a:lvl4pPr>
+            <a:lvl5pPr lvl="4" rtl="0">
+              <a:spcBef>
+                <a:spcPts val="0"/>
+              </a:spcBef>
+              <a:buNone/>
+              <a:defRPr sz="3000"/>
+            </a:lvl5pPr>
+            <a:lvl6pPr lvl="5" rtl="0">
+              <a:spcBef>
+                <a:spcPts val="0"/>
+              </a:spcBef>
+              <a:buNone/>
+              <a:defRPr sz="3000"/>
+            </a:lvl6pPr>
+            <a:lvl7pPr lvl="6" rtl="0">
+              <a:spcBef>
+                <a:spcPts val="0"/>
+              </a:spcBef>
+              <a:buNone/>
+              <a:defRPr sz="3000"/>
+            </a:lvl7pPr>
+            <a:lvl8pPr lvl="7" rtl="0">
+              <a:spcBef>
+                <a:spcPts val="0"/>
+              </a:spcBef>
+              <a:buNone/>
+              <a:defRPr sz="3000"/>
+            </a:lvl8pPr>
+            <a:lvl9pPr lvl="8" rtl="0">
+              <a:spcBef>
+                <a:spcPts val="0"/>
+              </a:spcBef>
+              <a:buNone/>
+              <a:defRPr sz="3000"/>
+            </a:lvl9pPr>
+          </a:lstStyle>
+          <a:p>
             <a:r>
-              <a:rPr lang="es-ES" b="0" i="0" dirty="0">
-                <a:effectLst/>
+              <a:rPr lang="es-ES" b="0" dirty="0" err="1">
                 <a:latin typeface="Arial" panose="020B0604020202020204" pitchFamily="34" charset="0"/>
               </a:rPr>
-              <a:t>4.1. Aplica un modelo supervisado y uno no supervisado a los datos y</a:t>
+              <a:t>Arbol</a:t>
             </a:r>
-            <a:br>
-              <a:rPr lang="es-ES" dirty="0"/>
-            </a:br>
             <a:r>
-              <a:rPr lang="es-ES" b="0" i="0" dirty="0">
-                <a:effectLst/>
+              <a:rPr lang="es-ES" b="0" dirty="0">
                 <a:latin typeface="Arial" panose="020B0604020202020204" pitchFamily="34" charset="0"/>
               </a:rPr>
-              <a:t>comenta los resultados obtenidos.</a:t>
+              <a:t> de </a:t>
             </a:r>
-            <a:br>
-              <a:rPr lang="es-ES" dirty="0"/>
-            </a:br>
             <a:r>
-              <a:rPr lang="es-ES" b="0" i="0" dirty="0">
-                <a:effectLst/>
+              <a:rPr lang="es-ES" b="0" dirty="0" err="1">
                 <a:latin typeface="Arial" panose="020B0604020202020204" pitchFamily="34" charset="0"/>
               </a:rPr>
-              <a:t>4.2. Aplica una prueba por contraste de hipótesis. Ten en cuenta que</a:t>
-            </a:r>
-            <a:br>
-              <a:rPr lang="es-ES" dirty="0"/>
-            </a:br>
-            <a:r>
-              <a:rPr lang="es-ES" b="0" i="0" dirty="0">
-                <a:effectLst/>
-                <a:latin typeface="Arial" panose="020B0604020202020204" pitchFamily="34" charset="0"/>
-              </a:rPr>
-              <a:t>algunas de estas pruebas requieren verificar previamente la normalidad</a:t>
-            </a:r>
-            <a:br>
-              <a:rPr lang="es-ES" dirty="0"/>
-            </a:br>
-            <a:r>
-              <a:rPr lang="es-ES" b="0" i="0" dirty="0">
-                <a:effectLst/>
-                <a:latin typeface="Arial" panose="020B0604020202020204" pitchFamily="34" charset="0"/>
-              </a:rPr>
-              <a:t>y homocedasticidad de los datos</a:t>
+              <a:t>decision</a:t>
             </a:r>
             <a:endParaRPr lang="es-ES" dirty="0"/>
           </a:p>
         </p:txBody>
       </p:sp>
+      <p:pic>
+        <p:nvPicPr>
+          <p:cNvPr id="5" name="Imagen 4">
+            <a:extLst>
+              <a:ext uri="{FF2B5EF4-FFF2-40B4-BE49-F238E27FC236}">
+                <a16:creationId xmlns:a16="http://schemas.microsoft.com/office/drawing/2014/main" id="{A6F3B60A-6238-C4C1-A3B3-C20A968E1054}"/>
+              </a:ext>
+            </a:extLst>
+          </p:cNvPr>
+          <p:cNvPicPr>
+            <a:picLocks noChangeAspect="1"/>
+          </p:cNvPicPr>
+          <p:nvPr/>
+        </p:nvPicPr>
+        <p:blipFill>
+          <a:blip r:embed="rId3"/>
+          <a:srcRect r="27944"/>
+          <a:stretch/>
+        </p:blipFill>
+        <p:spPr>
+          <a:xfrm>
+            <a:off x="209852" y="1101755"/>
+            <a:ext cx="2208586" cy="2939989"/>
+          </a:xfrm>
+          <a:prstGeom prst="rect">
+            <a:avLst/>
+          </a:prstGeom>
+        </p:spPr>
+      </p:pic>
+      <p:pic>
+        <p:nvPicPr>
+          <p:cNvPr id="7" name="Imagen 6">
+            <a:extLst>
+              <a:ext uri="{FF2B5EF4-FFF2-40B4-BE49-F238E27FC236}">
+                <a16:creationId xmlns:a16="http://schemas.microsoft.com/office/drawing/2014/main" id="{E1DA4C98-F785-E566-E108-E6429B369F65}"/>
+              </a:ext>
+            </a:extLst>
+          </p:cNvPr>
+          <p:cNvPicPr>
+            <a:picLocks noChangeAspect="1"/>
+          </p:cNvPicPr>
+          <p:nvPr/>
+        </p:nvPicPr>
+        <p:blipFill>
+          <a:blip r:embed="rId4"/>
+          <a:srcRect l="4914" t="3740" b="6750"/>
+          <a:stretch/>
+        </p:blipFill>
+        <p:spPr>
+          <a:xfrm>
+            <a:off x="3099882" y="1195761"/>
+            <a:ext cx="5143194" cy="2859247"/>
+          </a:xfrm>
+          <a:prstGeom prst="rect">
+            <a:avLst/>
+          </a:prstGeom>
+        </p:spPr>
+      </p:pic>
+      <p:pic>
+        <p:nvPicPr>
+          <p:cNvPr id="9" name="Imagen 8">
+            <a:extLst>
+              <a:ext uri="{FF2B5EF4-FFF2-40B4-BE49-F238E27FC236}">
+                <a16:creationId xmlns:a16="http://schemas.microsoft.com/office/drawing/2014/main" id="{CFFA547E-C985-C7C4-C9E2-3E5820B9E298}"/>
+              </a:ext>
+            </a:extLst>
+          </p:cNvPr>
+          <p:cNvPicPr>
+            <a:picLocks noChangeAspect="1"/>
+          </p:cNvPicPr>
+          <p:nvPr/>
+        </p:nvPicPr>
+        <p:blipFill>
+          <a:blip r:embed="rId5"/>
+          <a:stretch>
+            <a:fillRect/>
+          </a:stretch>
+        </p:blipFill>
+        <p:spPr>
+          <a:xfrm>
+            <a:off x="2418438" y="4180948"/>
+            <a:ext cx="4910860" cy="715608"/>
+          </a:xfrm>
+          <a:prstGeom prst="rect">
+            <a:avLst/>
+          </a:prstGeom>
+        </p:spPr>
+      </p:pic>
     </p:spTree>
   </p:cSld>
   <p:clrMapOvr>
@@ -8162,7 +8590,338 @@
         <p:cNvPr id="1" name="Shape 93">
           <a:extLst>
             <a:ext uri="{FF2B5EF4-FFF2-40B4-BE49-F238E27FC236}">
-              <a16:creationId xmlns:a16="http://schemas.microsoft.com/office/drawing/2014/main" id="{AF0E2E58-B35F-63E8-BEBB-FBBC7150B1EE}"/>
+              <a16:creationId xmlns:a16="http://schemas.microsoft.com/office/drawing/2014/main" id="{996EE723-F16E-139F-6DFF-A1C7AE67C6C1}"/>
+            </a:ext>
+          </a:extLst>
+        </p:cNvPr>
+        <p:cNvGrpSpPr/>
+        <p:nvPr/>
+      </p:nvGrpSpPr>
+      <p:grpSpPr>
+        <a:xfrm>
+          <a:off x="0" y="0"/>
+          <a:ext cx="0" cy="0"/>
+          <a:chOff x="0" y="0"/>
+          <a:chExt cx="0" cy="0"/>
+        </a:xfrm>
+      </p:grpSpPr>
+      <p:pic>
+        <p:nvPicPr>
+          <p:cNvPr id="7" name="Imagen 6">
+            <a:extLst>
+              <a:ext uri="{FF2B5EF4-FFF2-40B4-BE49-F238E27FC236}">
+                <a16:creationId xmlns:a16="http://schemas.microsoft.com/office/drawing/2014/main" id="{26E0FB61-2DAA-A783-16E7-6AC8573ECAD5}"/>
+              </a:ext>
+            </a:extLst>
+          </p:cNvPr>
+          <p:cNvPicPr>
+            <a:picLocks noChangeAspect="1"/>
+          </p:cNvPicPr>
+          <p:nvPr/>
+        </p:nvPicPr>
+        <p:blipFill>
+          <a:blip r:embed="rId3"/>
+          <a:stretch>
+            <a:fillRect/>
+          </a:stretch>
+        </p:blipFill>
+        <p:spPr>
+          <a:xfrm>
+            <a:off x="17978" y="1429225"/>
+            <a:ext cx="5356398" cy="3222417"/>
+          </a:xfrm>
+          <a:prstGeom prst="rect">
+            <a:avLst/>
+          </a:prstGeom>
+        </p:spPr>
+      </p:pic>
+      <p:sp>
+        <p:nvSpPr>
+          <p:cNvPr id="3" name="Título 2">
+            <a:extLst>
+              <a:ext uri="{FF2B5EF4-FFF2-40B4-BE49-F238E27FC236}">
+                <a16:creationId xmlns:a16="http://schemas.microsoft.com/office/drawing/2014/main" id="{7862627D-0743-0549-1E5C-D0EF1188C981}"/>
+              </a:ext>
+            </a:extLst>
+          </p:cNvPr>
+          <p:cNvSpPr>
+            <a:spLocks noGrp="1"/>
+          </p:cNvSpPr>
+          <p:nvPr>
+            <p:ph type="title"/>
+          </p:nvPr>
+        </p:nvSpPr>
+        <p:spPr/>
+        <p:txBody>
+          <a:bodyPr/>
+          <a:lstStyle/>
+          <a:p>
+            <a:r>
+              <a:rPr lang="es-ES" b="0" i="0" dirty="0">
+                <a:effectLst/>
+                <a:latin typeface="Arial" panose="020B0604020202020204" pitchFamily="34" charset="0"/>
+              </a:rPr>
+              <a:t>Análisis de los datos.</a:t>
+            </a:r>
+            <a:br>
+              <a:rPr lang="es-ES" dirty="0"/>
+            </a:br>
+            <a:endParaRPr lang="es-ES" dirty="0"/>
+          </a:p>
+        </p:txBody>
+      </p:sp>
+      <p:sp>
+        <p:nvSpPr>
+          <p:cNvPr id="2" name="Título 2">
+            <a:extLst>
+              <a:ext uri="{FF2B5EF4-FFF2-40B4-BE49-F238E27FC236}">
+                <a16:creationId xmlns:a16="http://schemas.microsoft.com/office/drawing/2014/main" id="{16BCFF20-BCCB-DFE2-B7F9-722F808E6BF9}"/>
+              </a:ext>
+            </a:extLst>
+          </p:cNvPr>
+          <p:cNvSpPr txBox="1">
+            <a:spLocks/>
+          </p:cNvSpPr>
+          <p:nvPr/>
+        </p:nvSpPr>
+        <p:spPr>
+          <a:xfrm>
+            <a:off x="2809180" y="962552"/>
+            <a:ext cx="2293693" cy="781200"/>
+          </a:xfrm>
+          <a:prstGeom prst="rect">
+            <a:avLst/>
+          </a:prstGeom>
+          <a:noFill/>
+          <a:ln>
+            <a:noFill/>
+          </a:ln>
+        </p:spPr>
+        <p:txBody>
+          <a:bodyPr lIns="91425" tIns="91425" rIns="91425" bIns="91425" anchor="t" anchorCtr="0"/>
+          <a:lstStyle>
+            <a:defPPr marR="0" lvl="0" algn="l" rtl="0">
+              <a:lnSpc>
+                <a:spcPct val="100000"/>
+              </a:lnSpc>
+              <a:spcBef>
+                <a:spcPts val="0"/>
+              </a:spcBef>
+              <a:spcAft>
+                <a:spcPts val="0"/>
+              </a:spcAft>
+            </a:defPPr>
+            <a:lvl1pPr marR="0" lvl="0" algn="l" rtl="0" eaLnBrk="1" hangingPunct="1">
+              <a:lnSpc>
+                <a:spcPct val="100000"/>
+              </a:lnSpc>
+              <a:spcBef>
+                <a:spcPts val="0"/>
+              </a:spcBef>
+              <a:spcAft>
+                <a:spcPts val="0"/>
+              </a:spcAft>
+              <a:buNone/>
+              <a:defRPr sz="1900" b="1" i="0" u="none" strike="noStrike" cap="none">
+                <a:solidFill>
+                  <a:srgbClr val="000078"/>
+                </a:solidFill>
+                <a:latin typeface="Arial"/>
+                <a:ea typeface="Arial"/>
+                <a:cs typeface="Arial"/>
+                <a:sym typeface="Arial"/>
+              </a:defRPr>
+            </a:lvl1pPr>
+            <a:lvl2pPr lvl="1" rtl="0">
+              <a:spcBef>
+                <a:spcPts val="0"/>
+              </a:spcBef>
+              <a:buNone/>
+              <a:defRPr sz="3000"/>
+            </a:lvl2pPr>
+            <a:lvl3pPr lvl="2" rtl="0">
+              <a:spcBef>
+                <a:spcPts val="0"/>
+              </a:spcBef>
+              <a:buNone/>
+              <a:defRPr sz="3000"/>
+            </a:lvl3pPr>
+            <a:lvl4pPr lvl="3" rtl="0">
+              <a:spcBef>
+                <a:spcPts val="0"/>
+              </a:spcBef>
+              <a:buNone/>
+              <a:defRPr sz="3000"/>
+            </a:lvl4pPr>
+            <a:lvl5pPr lvl="4" rtl="0">
+              <a:spcBef>
+                <a:spcPts val="0"/>
+              </a:spcBef>
+              <a:buNone/>
+              <a:defRPr sz="3000"/>
+            </a:lvl5pPr>
+            <a:lvl6pPr lvl="5" rtl="0">
+              <a:spcBef>
+                <a:spcPts val="0"/>
+              </a:spcBef>
+              <a:buNone/>
+              <a:defRPr sz="3000"/>
+            </a:lvl6pPr>
+            <a:lvl7pPr lvl="6" rtl="0">
+              <a:spcBef>
+                <a:spcPts val="0"/>
+              </a:spcBef>
+              <a:buNone/>
+              <a:defRPr sz="3000"/>
+            </a:lvl7pPr>
+            <a:lvl8pPr lvl="7" rtl="0">
+              <a:spcBef>
+                <a:spcPts val="0"/>
+              </a:spcBef>
+              <a:buNone/>
+              <a:defRPr sz="3000"/>
+            </a:lvl8pPr>
+            <a:lvl9pPr lvl="8" rtl="0">
+              <a:spcBef>
+                <a:spcPts val="0"/>
+              </a:spcBef>
+              <a:buNone/>
+              <a:defRPr sz="3000"/>
+            </a:lvl9pPr>
+          </a:lstStyle>
+          <a:p>
+            <a:r>
+              <a:rPr lang="es-ES" b="0" dirty="0" err="1">
+                <a:latin typeface="Arial" panose="020B0604020202020204" pitchFamily="34" charset="0"/>
+              </a:rPr>
+              <a:t>Cluster</a:t>
+            </a:r>
+            <a:r>
+              <a:rPr lang="es-ES" b="0" dirty="0">
+                <a:latin typeface="Arial" panose="020B0604020202020204" pitchFamily="34" charset="0"/>
+              </a:rPr>
+              <a:t> K-</a:t>
+            </a:r>
+            <a:r>
+              <a:rPr lang="es-ES" b="0" dirty="0" err="1">
+                <a:latin typeface="Arial" panose="020B0604020202020204" pitchFamily="34" charset="0"/>
+              </a:rPr>
+              <a:t>Means</a:t>
+            </a:r>
+            <a:endParaRPr lang="es-ES" dirty="0"/>
+          </a:p>
+        </p:txBody>
+      </p:sp>
+      <p:pic>
+        <p:nvPicPr>
+          <p:cNvPr id="9" name="Imagen 8">
+            <a:extLst>
+              <a:ext uri="{FF2B5EF4-FFF2-40B4-BE49-F238E27FC236}">
+                <a16:creationId xmlns:a16="http://schemas.microsoft.com/office/drawing/2014/main" id="{C33F7032-861A-76B1-EBB4-FBC1F7FFC906}"/>
+              </a:ext>
+            </a:extLst>
+          </p:cNvPr>
+          <p:cNvPicPr>
+            <a:picLocks noChangeAspect="1"/>
+          </p:cNvPicPr>
+          <p:nvPr/>
+        </p:nvPicPr>
+        <p:blipFill>
+          <a:blip r:embed="rId4"/>
+          <a:srcRect l="13911" b="6539"/>
+          <a:stretch/>
+        </p:blipFill>
+        <p:spPr>
+          <a:xfrm>
+            <a:off x="6986004" y="926815"/>
+            <a:ext cx="2157996" cy="1503019"/>
+          </a:xfrm>
+          <a:prstGeom prst="rect">
+            <a:avLst/>
+          </a:prstGeom>
+        </p:spPr>
+      </p:pic>
+      <p:pic>
+        <p:nvPicPr>
+          <p:cNvPr id="11" name="Imagen 10">
+            <a:extLst>
+              <a:ext uri="{FF2B5EF4-FFF2-40B4-BE49-F238E27FC236}">
+                <a16:creationId xmlns:a16="http://schemas.microsoft.com/office/drawing/2014/main" id="{81C36737-8E81-BD87-C114-248F9FDB56C9}"/>
+              </a:ext>
+            </a:extLst>
+          </p:cNvPr>
+          <p:cNvPicPr>
+            <a:picLocks noChangeAspect="1"/>
+          </p:cNvPicPr>
+          <p:nvPr/>
+        </p:nvPicPr>
+        <p:blipFill>
+          <a:blip r:embed="rId5"/>
+          <a:srcRect l="16196"/>
+          <a:stretch/>
+        </p:blipFill>
+        <p:spPr>
+          <a:xfrm>
+            <a:off x="4892679" y="926815"/>
+            <a:ext cx="2093325" cy="1503019"/>
+          </a:xfrm>
+          <a:prstGeom prst="rect">
+            <a:avLst/>
+          </a:prstGeom>
+        </p:spPr>
+      </p:pic>
+      <p:pic>
+        <p:nvPicPr>
+          <p:cNvPr id="13" name="Imagen 12">
+            <a:extLst>
+              <a:ext uri="{FF2B5EF4-FFF2-40B4-BE49-F238E27FC236}">
+                <a16:creationId xmlns:a16="http://schemas.microsoft.com/office/drawing/2014/main" id="{14570A86-8465-3F4F-4895-EF66EB58BC6D}"/>
+              </a:ext>
+            </a:extLst>
+          </p:cNvPr>
+          <p:cNvPicPr>
+            <a:picLocks noChangeAspect="1"/>
+          </p:cNvPicPr>
+          <p:nvPr/>
+        </p:nvPicPr>
+        <p:blipFill>
+          <a:blip r:embed="rId6"/>
+          <a:stretch>
+            <a:fillRect/>
+          </a:stretch>
+        </p:blipFill>
+        <p:spPr>
+          <a:xfrm>
+            <a:off x="4829770" y="3425638"/>
+            <a:ext cx="3892034" cy="1408579"/>
+          </a:xfrm>
+          <a:prstGeom prst="rect">
+            <a:avLst/>
+          </a:prstGeom>
+        </p:spPr>
+      </p:pic>
+    </p:spTree>
+    <p:extLst>
+      <p:ext uri="{BB962C8B-B14F-4D97-AF65-F5344CB8AC3E}">
+        <p14:creationId xmlns:p14="http://schemas.microsoft.com/office/powerpoint/2010/main" val="756906349"/>
+      </p:ext>
+    </p:extLst>
+  </p:cSld>
+  <p:clrMapOvr>
+    <a:masterClrMapping/>
+  </p:clrMapOvr>
+</p:sld>
+</file>
+
+<file path=ppt/slides/slide8.xml><?xml version="1.0" encoding="utf-8"?>
+<p:sld xmlns:a="http://schemas.openxmlformats.org/drawingml/2006/main" xmlns:r="http://schemas.openxmlformats.org/officeDocument/2006/relationships" xmlns:p="http://schemas.openxmlformats.org/presentationml/2006/main">
+  <p:cSld>
+    <p:spTree>
+      <p:nvGrpSpPr>
+        <p:cNvPr id="1" name="Shape 93">
+          <a:extLst>
+            <a:ext uri="{FF2B5EF4-FFF2-40B4-BE49-F238E27FC236}">
+              <a16:creationId xmlns:a16="http://schemas.microsoft.com/office/drawing/2014/main" id="{9DCFB617-10DD-BD73-94D0-A10F5771A1B2}"/>
             </a:ext>
           </a:extLst>
         </p:cNvPr>
@@ -8179,317 +8938,179 @@
       </p:grpSpPr>
       <p:sp>
         <p:nvSpPr>
-          <p:cNvPr id="94" name="Shape 94">
+          <p:cNvPr id="3" name="Título 2">
             <a:extLst>
               <a:ext uri="{FF2B5EF4-FFF2-40B4-BE49-F238E27FC236}">
-                <a16:creationId xmlns:a16="http://schemas.microsoft.com/office/drawing/2014/main" id="{62978625-21EE-C453-EE14-F65E8CCA1FE5}"/>
+                <a16:creationId xmlns:a16="http://schemas.microsoft.com/office/drawing/2014/main" id="{F3754796-6826-4EF2-700C-2213EC94A738}"/>
               </a:ext>
             </a:extLst>
           </p:cNvPr>
-          <p:cNvSpPr txBox="1">
+          <p:cNvSpPr>
             <a:spLocks noGrp="1"/>
           </p:cNvSpPr>
           <p:nvPr>
             <p:ph type="title"/>
           </p:nvPr>
         </p:nvSpPr>
-        <p:spPr>
-          <a:xfrm>
-            <a:off x="772475" y="648025"/>
-            <a:ext cx="7470600" cy="781200"/>
-          </a:xfrm>
-          <a:prstGeom prst="rect">
-            <a:avLst/>
-          </a:prstGeom>
-        </p:spPr>
+        <p:spPr/>
         <p:txBody>
-          <a:bodyPr lIns="91425" tIns="91425" rIns="91425" bIns="91425" anchor="t" anchorCtr="0">
-            <a:noAutofit/>
-          </a:bodyPr>
+          <a:bodyPr/>
           <a:lstStyle/>
           <a:p>
-            <a:pPr lvl="0">
-              <a:spcBef>
-                <a:spcPts val="0"/>
-              </a:spcBef>
-              <a:buClr>
-                <a:schemeClr val="dk1"/>
-              </a:buClr>
-              <a:buSzPct val="57894"/>
-              <a:buFont typeface="Arial"/>
-              <a:buNone/>
-            </a:pPr>
             <a:r>
-              <a:rPr lang="ca" dirty="0"/>
-              <a:t>Dataset:</a:t>
+              <a:rPr lang="es-ES" b="0" dirty="0"/>
+              <a:t>Prueba por contraste de </a:t>
             </a:r>
-            <a:endParaRPr lang="ca" dirty="0">
-              <a:highlight>
-                <a:srgbClr val="FFFFFF"/>
-              </a:highlight>
-            </a:endParaRPr>
-          </a:p>
-          <a:p>
-            <a:pPr lvl="0">
-              <a:spcBef>
-                <a:spcPts val="0"/>
-              </a:spcBef>
-              <a:buNone/>
-            </a:pPr>
-            <a:endParaRPr dirty="0"/>
+            <a:r>
+              <a:rPr lang="es-ES" b="0" dirty="0" err="1"/>
+              <a:t>hipotesis</a:t>
+            </a:r>
+            <a:br>
+              <a:rPr lang="es-ES" b="1" dirty="0"/>
+            </a:br>
+            <a:br>
+              <a:rPr lang="es-ES" dirty="0"/>
+            </a:br>
+            <a:endParaRPr lang="es-ES" dirty="0"/>
           </a:p>
         </p:txBody>
       </p:sp>
       <p:sp>
         <p:nvSpPr>
-          <p:cNvPr id="95" name="Shape 95">
+          <p:cNvPr id="4" name="Título 2">
             <a:extLst>
               <a:ext uri="{FF2B5EF4-FFF2-40B4-BE49-F238E27FC236}">
-                <a16:creationId xmlns:a16="http://schemas.microsoft.com/office/drawing/2014/main" id="{E3E1BFDA-2C55-B01E-657F-8BDDC01FAAB9}"/>
+                <a16:creationId xmlns:a16="http://schemas.microsoft.com/office/drawing/2014/main" id="{E7D68611-40A7-3BD5-480F-70AD68FB3F92}"/>
               </a:ext>
             </a:extLst>
           </p:cNvPr>
           <p:cNvSpPr txBox="1">
-            <a:spLocks noGrp="1"/>
+            <a:spLocks/>
           </p:cNvSpPr>
-          <p:nvPr>
-            <p:ph type="body" idx="1"/>
-          </p:nvPr>
+          <p:nvPr/>
         </p:nvSpPr>
         <p:spPr>
           <a:xfrm>
-            <a:off x="772475" y="1038625"/>
-            <a:ext cx="7599050" cy="3312600"/>
+            <a:off x="3872737" y="920488"/>
+            <a:ext cx="2293693" cy="781200"/>
           </a:xfrm>
           <a:prstGeom prst="rect">
             <a:avLst/>
           </a:prstGeom>
+          <a:noFill/>
+          <a:ln>
+            <a:noFill/>
+          </a:ln>
         </p:spPr>
         <p:txBody>
-          <a:bodyPr lIns="91425" tIns="91425" rIns="91425" bIns="91425" anchor="t" anchorCtr="0">
-            <a:noAutofit/>
-          </a:bodyPr>
-          <a:lstStyle/>
+          <a:bodyPr lIns="91425" tIns="91425" rIns="91425" bIns="91425" anchor="t" anchorCtr="0"/>
+          <a:lstStyle>
+            <a:defPPr marR="0" lvl="0" algn="l" rtl="0">
+              <a:lnSpc>
+                <a:spcPct val="100000"/>
+              </a:lnSpc>
+              <a:spcBef>
+                <a:spcPts val="0"/>
+              </a:spcBef>
+              <a:spcAft>
+                <a:spcPts val="0"/>
+              </a:spcAft>
+            </a:defPPr>
+            <a:lvl1pPr marR="0" lvl="0" algn="l" rtl="0" eaLnBrk="1" hangingPunct="1">
+              <a:lnSpc>
+                <a:spcPct val="100000"/>
+              </a:lnSpc>
+              <a:spcBef>
+                <a:spcPts val="0"/>
+              </a:spcBef>
+              <a:spcAft>
+                <a:spcPts val="0"/>
+              </a:spcAft>
+              <a:buNone/>
+              <a:defRPr sz="1900" b="1" i="0" u="none" strike="noStrike" cap="none">
+                <a:solidFill>
+                  <a:srgbClr val="000078"/>
+                </a:solidFill>
+                <a:latin typeface="Arial"/>
+                <a:ea typeface="Arial"/>
+                <a:cs typeface="Arial"/>
+                <a:sym typeface="Arial"/>
+              </a:defRPr>
+            </a:lvl1pPr>
+            <a:lvl2pPr lvl="1" rtl="0">
+              <a:spcBef>
+                <a:spcPts val="0"/>
+              </a:spcBef>
+              <a:buNone/>
+              <a:defRPr sz="3000"/>
+            </a:lvl2pPr>
+            <a:lvl3pPr lvl="2" rtl="0">
+              <a:spcBef>
+                <a:spcPts val="0"/>
+              </a:spcBef>
+              <a:buNone/>
+              <a:defRPr sz="3000"/>
+            </a:lvl3pPr>
+            <a:lvl4pPr lvl="3" rtl="0">
+              <a:spcBef>
+                <a:spcPts val="0"/>
+              </a:spcBef>
+              <a:buNone/>
+              <a:defRPr sz="3000"/>
+            </a:lvl4pPr>
+            <a:lvl5pPr lvl="4" rtl="0">
+              <a:spcBef>
+                <a:spcPts val="0"/>
+              </a:spcBef>
+              <a:buNone/>
+              <a:defRPr sz="3000"/>
+            </a:lvl5pPr>
+            <a:lvl6pPr lvl="5" rtl="0">
+              <a:spcBef>
+                <a:spcPts val="0"/>
+              </a:spcBef>
+              <a:buNone/>
+              <a:defRPr sz="3000"/>
+            </a:lvl6pPr>
+            <a:lvl7pPr lvl="6" rtl="0">
+              <a:spcBef>
+                <a:spcPts val="0"/>
+              </a:spcBef>
+              <a:buNone/>
+              <a:defRPr sz="3000"/>
+            </a:lvl7pPr>
+            <a:lvl8pPr lvl="7" rtl="0">
+              <a:spcBef>
+                <a:spcPts val="0"/>
+              </a:spcBef>
+              <a:buNone/>
+              <a:defRPr sz="3000"/>
+            </a:lvl8pPr>
+            <a:lvl9pPr lvl="8" rtl="0">
+              <a:spcBef>
+                <a:spcPts val="0"/>
+              </a:spcBef>
+              <a:buNone/>
+              <a:defRPr sz="3000"/>
+            </a:lvl9pPr>
+          </a:lstStyle>
           <a:p>
-            <a:pPr>
-              <a:lnSpc>
-                <a:spcPct val="115000"/>
-              </a:lnSpc>
-              <a:spcAft>
-                <a:spcPts val="800"/>
-              </a:spcAft>
-            </a:pPr>
             <a:r>
-              <a:rPr lang="es-ES" sz="1800" b="1" kern="100" dirty="0">
-                <a:effectLst/>
-                <a:latin typeface="Aptos" panose="020B0004020202020204" pitchFamily="34" charset="0"/>
-                <a:ea typeface="Aptos" panose="020B0004020202020204" pitchFamily="34" charset="0"/>
-                <a:cs typeface="Times New Roman" panose="02020603050405020304" pitchFamily="18" charset="0"/>
+              <a:rPr lang="es-ES" b="0" dirty="0">
+                <a:latin typeface="Arial" panose="020B0604020202020204" pitchFamily="34" charset="0"/>
               </a:rPr>
-              <a:t>Campos Incluidos en el </a:t>
+              <a:t>ANOVA</a:t>
             </a:r>
-            <a:r>
-              <a:rPr lang="es-ES" sz="1800" b="1" kern="100" dirty="0" err="1">
-                <a:effectLst/>
-                <a:latin typeface="Aptos" panose="020B0004020202020204" pitchFamily="34" charset="0"/>
-                <a:ea typeface="Aptos" panose="020B0004020202020204" pitchFamily="34" charset="0"/>
-                <a:cs typeface="Times New Roman" panose="02020603050405020304" pitchFamily="18" charset="0"/>
-              </a:rPr>
-              <a:t>Dataset</a:t>
-            </a:r>
-            <a:endParaRPr lang="es-ES" sz="1800" kern="100" dirty="0">
-              <a:effectLst/>
-              <a:latin typeface="Aptos" panose="020B0004020202020204" pitchFamily="34" charset="0"/>
-              <a:ea typeface="Aptos" panose="020B0004020202020204" pitchFamily="34" charset="0"/>
-              <a:cs typeface="Times New Roman" panose="02020603050405020304" pitchFamily="18" charset="0"/>
-            </a:endParaRPr>
-          </a:p>
-          <a:p>
-            <a:pPr marL="342900" lvl="0" indent="-342900">
-              <a:lnSpc>
-                <a:spcPct val="115000"/>
-              </a:lnSpc>
-              <a:spcAft>
-                <a:spcPts val="800"/>
-              </a:spcAft>
-              <a:buFont typeface="Symbol" panose="05050102010706020507" pitchFamily="18" charset="2"/>
-              <a:buChar char=""/>
-              <a:tabLst>
-                <a:tab pos="457200" algn="l"/>
-              </a:tabLst>
-            </a:pPr>
-            <a:r>
-              <a:rPr lang="es-ES" sz="1200" b="1" kern="100" dirty="0">
-                <a:effectLst/>
-                <a:latin typeface="Aptos" panose="020B0004020202020204" pitchFamily="34" charset="0"/>
-                <a:ea typeface="Aptos" panose="020B0004020202020204" pitchFamily="34" charset="0"/>
-                <a:cs typeface="Times New Roman" panose="02020603050405020304" pitchFamily="18" charset="0"/>
-              </a:rPr>
-              <a:t>Producto</a:t>
-            </a:r>
-            <a:r>
-              <a:rPr lang="es-ES" sz="1200" kern="100" dirty="0">
-                <a:effectLst/>
-                <a:latin typeface="Aptos" panose="020B0004020202020204" pitchFamily="34" charset="0"/>
-                <a:ea typeface="Aptos" panose="020B0004020202020204" pitchFamily="34" charset="0"/>
-                <a:cs typeface="Times New Roman" panose="02020603050405020304" pitchFamily="18" charset="0"/>
-              </a:rPr>
-              <a:t>: Este campo almacena el nombre de los productos que han sido extraídos durante el proceso de scraping.</a:t>
-            </a:r>
-          </a:p>
-          <a:p>
-            <a:pPr marL="342900" lvl="0" indent="-342900">
-              <a:lnSpc>
-                <a:spcPct val="115000"/>
-              </a:lnSpc>
-              <a:spcAft>
-                <a:spcPts val="800"/>
-              </a:spcAft>
-              <a:buFont typeface="Symbol" panose="05050102010706020507" pitchFamily="18" charset="2"/>
-              <a:buChar char=""/>
-              <a:tabLst>
-                <a:tab pos="457200" algn="l"/>
-              </a:tabLst>
-            </a:pPr>
-            <a:r>
-              <a:rPr lang="es-ES" sz="1200" b="1" kern="100" dirty="0">
-                <a:effectLst/>
-                <a:latin typeface="Aptos" panose="020B0004020202020204" pitchFamily="34" charset="0"/>
-                <a:ea typeface="Aptos" panose="020B0004020202020204" pitchFamily="34" charset="0"/>
-                <a:cs typeface="Times New Roman" panose="02020603050405020304" pitchFamily="18" charset="0"/>
-              </a:rPr>
-              <a:t>Precio</a:t>
-            </a:r>
-            <a:r>
-              <a:rPr lang="es-ES" sz="1200" kern="100" dirty="0">
-                <a:effectLst/>
-                <a:latin typeface="Aptos" panose="020B0004020202020204" pitchFamily="34" charset="0"/>
-                <a:ea typeface="Aptos" panose="020B0004020202020204" pitchFamily="34" charset="0"/>
-                <a:cs typeface="Times New Roman" panose="02020603050405020304" pitchFamily="18" charset="0"/>
-              </a:rPr>
-              <a:t>: Este campo contiene el precio de cada producto. </a:t>
-            </a:r>
-          </a:p>
-          <a:p>
-            <a:pPr marL="342900" lvl="0" indent="-342900">
-              <a:lnSpc>
-                <a:spcPct val="115000"/>
-              </a:lnSpc>
-              <a:spcAft>
-                <a:spcPts val="800"/>
-              </a:spcAft>
-              <a:buFont typeface="Symbol" panose="05050102010706020507" pitchFamily="18" charset="2"/>
-              <a:buChar char=""/>
-              <a:tabLst>
-                <a:tab pos="457200" algn="l"/>
-              </a:tabLst>
-            </a:pPr>
-            <a:r>
-              <a:rPr lang="es-ES" sz="1200" b="1" kern="100" dirty="0">
-                <a:effectLst/>
-                <a:latin typeface="Aptos" panose="020B0004020202020204" pitchFamily="34" charset="0"/>
-                <a:ea typeface="Aptos" panose="020B0004020202020204" pitchFamily="34" charset="0"/>
-                <a:cs typeface="Times New Roman" panose="02020603050405020304" pitchFamily="18" charset="0"/>
-              </a:rPr>
-              <a:t>Descripción</a:t>
-            </a:r>
-            <a:r>
-              <a:rPr lang="es-ES" sz="1200" kern="100" dirty="0">
-                <a:effectLst/>
-                <a:latin typeface="Aptos" panose="020B0004020202020204" pitchFamily="34" charset="0"/>
-                <a:ea typeface="Aptos" panose="020B0004020202020204" pitchFamily="34" charset="0"/>
-                <a:cs typeface="Times New Roman" panose="02020603050405020304" pitchFamily="18" charset="0"/>
-              </a:rPr>
-              <a:t>: Este campo incluye una breve descripción del producto. </a:t>
-            </a:r>
-          </a:p>
-          <a:p>
-            <a:pPr marL="342900" lvl="0" indent="-342900">
-              <a:lnSpc>
-                <a:spcPct val="115000"/>
-              </a:lnSpc>
-              <a:spcAft>
-                <a:spcPts val="800"/>
-              </a:spcAft>
-              <a:buFont typeface="Symbol" panose="05050102010706020507" pitchFamily="18" charset="2"/>
-              <a:buChar char=""/>
-              <a:tabLst>
-                <a:tab pos="457200" algn="l"/>
-              </a:tabLst>
-            </a:pPr>
-            <a:r>
-              <a:rPr lang="es-ES" sz="1200" b="1" kern="100" dirty="0">
-                <a:effectLst/>
-                <a:latin typeface="Aptos" panose="020B0004020202020204" pitchFamily="34" charset="0"/>
-                <a:ea typeface="Aptos" panose="020B0004020202020204" pitchFamily="34" charset="0"/>
-                <a:cs typeface="Times New Roman" panose="02020603050405020304" pitchFamily="18" charset="0"/>
-              </a:rPr>
-              <a:t>Imagen</a:t>
-            </a:r>
-            <a:r>
-              <a:rPr lang="es-ES" sz="1200" kern="100" dirty="0">
-                <a:effectLst/>
-                <a:latin typeface="Aptos" panose="020B0004020202020204" pitchFamily="34" charset="0"/>
-                <a:ea typeface="Aptos" panose="020B0004020202020204" pitchFamily="34" charset="0"/>
-                <a:cs typeface="Times New Roman" panose="02020603050405020304" pitchFamily="18" charset="0"/>
-              </a:rPr>
-              <a:t>: Este campo contiene la ruta del archivo de la imagen descargada del producto. </a:t>
-            </a:r>
-          </a:p>
-          <a:p>
-            <a:pPr marL="342900" lvl="0" indent="-342900">
-              <a:lnSpc>
-                <a:spcPct val="115000"/>
-              </a:lnSpc>
-              <a:spcAft>
-                <a:spcPts val="800"/>
-              </a:spcAft>
-              <a:buFont typeface="Symbol" panose="05050102010706020507" pitchFamily="18" charset="2"/>
-              <a:buChar char=""/>
-              <a:tabLst>
-                <a:tab pos="457200" algn="l"/>
-              </a:tabLst>
-            </a:pPr>
-            <a:r>
-              <a:rPr lang="es-ES" sz="1200" b="1" kern="100" dirty="0">
-                <a:effectLst/>
-                <a:latin typeface="Aptos" panose="020B0004020202020204" pitchFamily="34" charset="0"/>
-                <a:ea typeface="Aptos" panose="020B0004020202020204" pitchFamily="34" charset="0"/>
-                <a:cs typeface="Times New Roman" panose="02020603050405020304" pitchFamily="18" charset="0"/>
-              </a:rPr>
-              <a:t>Página</a:t>
-            </a:r>
-            <a:r>
-              <a:rPr lang="es-ES" sz="1200" kern="100" dirty="0">
-                <a:effectLst/>
-                <a:latin typeface="Aptos" panose="020B0004020202020204" pitchFamily="34" charset="0"/>
-                <a:ea typeface="Aptos" panose="020B0004020202020204" pitchFamily="34" charset="0"/>
-                <a:cs typeface="Times New Roman" panose="02020603050405020304" pitchFamily="18" charset="0"/>
-              </a:rPr>
-              <a:t>: Este campo almacena la URL de la página desde la que se extrajo el producto. Esto permite rastrear la fuente de cada producto.</a:t>
-            </a:r>
-          </a:p>
-          <a:p>
-            <a:pPr lvl="0">
-              <a:spcBef>
-                <a:spcPts val="0"/>
-              </a:spcBef>
-              <a:buNone/>
-            </a:pPr>
-            <a:endParaRPr lang="ca" sz="1500" dirty="0">
-              <a:highlight>
-                <a:srgbClr val="FFFFFF"/>
-              </a:highlight>
-            </a:endParaRPr>
+            <a:endParaRPr lang="es-ES" dirty="0"/>
           </a:p>
         </p:txBody>
       </p:sp>
       <p:pic>
         <p:nvPicPr>
-          <p:cNvPr id="3" name="Imagen 2">
+          <p:cNvPr id="6" name="Imagen 5">
             <a:extLst>
               <a:ext uri="{FF2B5EF4-FFF2-40B4-BE49-F238E27FC236}">
-                <a16:creationId xmlns:a16="http://schemas.microsoft.com/office/drawing/2014/main" id="{F8B4F276-1925-D556-2885-915049496A49}"/>
+                <a16:creationId xmlns:a16="http://schemas.microsoft.com/office/drawing/2014/main" id="{391D6A46-2D88-19C5-C378-8D98CC01A8BA}"/>
               </a:ext>
             </a:extLst>
           </p:cNvPr>
@@ -8500,14 +9121,13 @@
         </p:nvPicPr>
         <p:blipFill>
           <a:blip r:embed="rId3"/>
-          <a:stretch>
-            <a:fillRect/>
-          </a:stretch>
+          <a:srcRect t="20210"/>
+          <a:stretch/>
         </p:blipFill>
         <p:spPr>
-          <a:xfrm flipV="1">
-            <a:off x="415834" y="3518480"/>
-            <a:ext cx="4912459" cy="1209742"/>
+          <a:xfrm>
+            <a:off x="211586" y="1311088"/>
+            <a:ext cx="5516861" cy="1606480"/>
           </a:xfrm>
           <a:prstGeom prst="rect">
             <a:avLst/>
@@ -8516,10 +9136,10 @@
       </p:pic>
       <p:pic>
         <p:nvPicPr>
-          <p:cNvPr id="7" name="Imagen 6">
+          <p:cNvPr id="8" name="Imagen 7">
             <a:extLst>
               <a:ext uri="{FF2B5EF4-FFF2-40B4-BE49-F238E27FC236}">
-                <a16:creationId xmlns:a16="http://schemas.microsoft.com/office/drawing/2014/main" id="{024B08D7-6324-1742-89B7-30D878CC0B73}"/>
+                <a16:creationId xmlns:a16="http://schemas.microsoft.com/office/drawing/2014/main" id="{615F7AB0-0AA8-C50E-C79A-ECAA78FCA84A}"/>
               </a:ext>
             </a:extLst>
           </p:cNvPr>
@@ -8536,8 +9156,38 @@
         </p:blipFill>
         <p:spPr>
           <a:xfrm>
-            <a:off x="6156960" y="3275517"/>
-            <a:ext cx="2316480" cy="1548021"/>
+            <a:off x="211586" y="2917568"/>
+            <a:ext cx="4405993" cy="1758410"/>
+          </a:xfrm>
+          <a:prstGeom prst="rect">
+            <a:avLst/>
+          </a:prstGeom>
+        </p:spPr>
+      </p:pic>
+      <p:pic>
+        <p:nvPicPr>
+          <p:cNvPr id="10" name="Imagen 9">
+            <a:extLst>
+              <a:ext uri="{FF2B5EF4-FFF2-40B4-BE49-F238E27FC236}">
+                <a16:creationId xmlns:a16="http://schemas.microsoft.com/office/drawing/2014/main" id="{06F483D5-89D7-C710-3780-DCEC4272D7FC}"/>
+              </a:ext>
+            </a:extLst>
+          </p:cNvPr>
+          <p:cNvPicPr>
+            <a:picLocks noChangeAspect="1"/>
+          </p:cNvPicPr>
+          <p:nvPr/>
+        </p:nvPicPr>
+        <p:blipFill>
+          <a:blip r:embed="rId5"/>
+          <a:stretch>
+            <a:fillRect/>
+          </a:stretch>
+        </p:blipFill>
+        <p:spPr>
+          <a:xfrm>
+            <a:off x="4689820" y="2328193"/>
+            <a:ext cx="3760708" cy="2504876"/>
           </a:xfrm>
           <a:prstGeom prst="rect">
             <a:avLst/>
@@ -8547,7 +9197,7 @@
     </p:spTree>
     <p:extLst>
       <p:ext uri="{BB962C8B-B14F-4D97-AF65-F5344CB8AC3E}">
-        <p14:creationId xmlns:p14="http://schemas.microsoft.com/office/powerpoint/2010/main" val="250746958"/>
+        <p14:creationId xmlns:p14="http://schemas.microsoft.com/office/powerpoint/2010/main" val="3214927453"/>
       </p:ext>
     </p:extLst>
   </p:cSld>
@@ -8557,7 +9207,7 @@
 </p:sld>
 </file>
 
-<file path=ppt/slides/slide8.xml><?xml version="1.0" encoding="utf-8"?>
+<file path=ppt/slides/slide9.xml><?xml version="1.0" encoding="utf-8"?>
 <p:sld xmlns:a="http://schemas.openxmlformats.org/drawingml/2006/main" xmlns:r="http://schemas.openxmlformats.org/officeDocument/2006/relationships" xmlns:p="http://schemas.openxmlformats.org/presentationml/2006/main">
   <p:cSld>
     <p:spTree>
@@ -8792,31 +9442,6 @@
           </a:p>
         </p:txBody>
       </p:sp>
-    </p:spTree>
-  </p:cSld>
-  <p:clrMapOvr>
-    <a:masterClrMapping/>
-  </p:clrMapOvr>
-</p:sld>
-</file>
-
-<file path=ppt/slides/slide9.xml><?xml version="1.0" encoding="utf-8"?>
-<p:sld xmlns:a="http://schemas.openxmlformats.org/drawingml/2006/main" xmlns:r="http://schemas.openxmlformats.org/officeDocument/2006/relationships" xmlns:p="http://schemas.openxmlformats.org/presentationml/2006/main">
-  <p:cSld>
-    <p:spTree>
-      <p:nvGrpSpPr>
-        <p:cNvPr id="1" name="Shape 132"/>
-        <p:cNvGrpSpPr/>
-        <p:nvPr/>
-      </p:nvGrpSpPr>
-      <p:grpSpPr>
-        <a:xfrm>
-          <a:off x="0" y="0"/>
-          <a:ext cx="0" cy="0"/>
-          <a:chOff x="0" y="0"/>
-          <a:chExt cx="0" cy="0"/>
-        </a:xfrm>
-      </p:grpSpPr>
     </p:spTree>
   </p:cSld>
   <p:clrMapOvr>

--- a/Ingresos.pptx
+++ b/Ingresos.pptx
@@ -4426,8 +4426,8 @@
         </p:nvSpPr>
         <p:spPr>
           <a:xfrm>
-            <a:off x="2035725" y="1575850"/>
-            <a:ext cx="3171900" cy="3208500"/>
+            <a:off x="2035724" y="1575850"/>
+            <a:ext cx="3943543" cy="3208500"/>
           </a:xfrm>
           <a:prstGeom prst="rect">
             <a:avLst/>
@@ -4458,7 +4458,7 @@
             </a:pPr>
             <a:r>
               <a:rPr lang="ca" dirty="0"/>
-              <a:t>Código</a:t>
+              <a:t>Limpieza de datos</a:t>
             </a:r>
           </a:p>
           <a:p>
@@ -4469,7 +4469,18 @@
             </a:pPr>
             <a:r>
               <a:rPr lang="ca" dirty="0"/>
-              <a:t>Dataset</a:t>
+              <a:t>Analisis de los datos</a:t>
+            </a:r>
+          </a:p>
+          <a:p>
+            <a:pPr marL="457200" lvl="0" indent="-228600" rtl="0">
+              <a:spcBef>
+                <a:spcPts val="0"/>
+              </a:spcBef>
+            </a:pPr>
+            <a:r>
+              <a:rPr lang="ca" dirty="0"/>
+              <a:t>Prueba por contraste de hipotesis</a:t>
             </a:r>
           </a:p>
           <a:p>
@@ -5133,24 +5144,6 @@
               <a:buChar char="•"/>
             </a:pPr>
             <a:r>
-              <a:rPr lang="es-ES" sz="1200" b="1" dirty="0"/>
-              <a:t>Variable </a:t>
-            </a:r>
-            <a:r>
-              <a:rPr lang="es-ES" sz="1200" dirty="0" err="1"/>
-              <a:t>fnlwgt</a:t>
-            </a:r>
-            <a:r>
-              <a:rPr lang="es-ES" sz="1200" dirty="0"/>
-              <a:t>: Ponderación final de la muestra.</a:t>
-            </a:r>
-          </a:p>
-          <a:p>
-            <a:pPr marL="171450" indent="-171450">
-              <a:buFont typeface="Arial" panose="020B0604020202020204" pitchFamily="34" charset="0"/>
-              <a:buChar char="•"/>
-            </a:pPr>
-            <a:r>
               <a:rPr lang="es-ES" sz="1200" dirty="0" err="1"/>
               <a:t>relationship</a:t>
             </a:r>
@@ -8465,22 +8458,10 @@
           </a:lstStyle>
           <a:p>
             <a:r>
-              <a:rPr lang="es-ES" b="0" dirty="0" err="1">
-                <a:latin typeface="Arial" panose="020B0604020202020204" pitchFamily="34" charset="0"/>
-              </a:rPr>
-              <a:t>Arbol</a:t>
-            </a:r>
-            <a:r>
               <a:rPr lang="es-ES" b="0" dirty="0">
                 <a:latin typeface="Arial" panose="020B0604020202020204" pitchFamily="34" charset="0"/>
               </a:rPr>
-              <a:t> de </a:t>
-            </a:r>
-            <a:r>
-              <a:rPr lang="es-ES" b="0" dirty="0" err="1">
-                <a:latin typeface="Arial" panose="020B0604020202020204" pitchFamily="34" charset="0"/>
-              </a:rPr>
-              <a:t>decision</a:t>
+              <a:t>Árbol de decisión</a:t>
             </a:r>
             <a:endParaRPr lang="es-ES" dirty="0"/>
           </a:p>
@@ -8791,16 +8772,10 @@
           </a:lstStyle>
           <a:p>
             <a:r>
-              <a:rPr lang="es-ES" b="0" dirty="0" err="1">
-                <a:latin typeface="Arial" panose="020B0604020202020204" pitchFamily="34" charset="0"/>
-              </a:rPr>
-              <a:t>Cluster</a:t>
-            </a:r>
-            <a:r>
               <a:rPr lang="es-ES" b="0" dirty="0">
                 <a:latin typeface="Arial" panose="020B0604020202020204" pitchFamily="34" charset="0"/>
               </a:rPr>
-              <a:t> K-</a:t>
+              <a:t>Clúster K-</a:t>
             </a:r>
             <a:r>
               <a:rPr lang="es-ES" b="0" dirty="0" err="1">
